--- a/155 - It Came Upon a Midnight Clear.pptx
+++ b/155 - It Came Upon a Midnight Clear.pptx
@@ -244,7 +244,7 @@
           <a:p>
             <a:fld id="{32F7251A-AE54-443C-B8FE-5F636E835EBF}" type="datetimeFigureOut">
               <a:rPr lang="en-US" smtClean="0"/>
-              <a:t>12/9/2018</a:t>
+              <a:t>8/9/2020</a:t>
             </a:fld>
             <a:endParaRPr lang="en-US"/>
           </a:p>
@@ -412,7 +412,7 @@
           <a:p>
             <a:fld id="{32F7251A-AE54-443C-B8FE-5F636E835EBF}" type="datetimeFigureOut">
               <a:rPr lang="en-US" smtClean="0"/>
-              <a:t>12/9/2018</a:t>
+              <a:t>8/9/2020</a:t>
             </a:fld>
             <a:endParaRPr lang="en-US"/>
           </a:p>
@@ -590,7 +590,7 @@
           <a:p>
             <a:fld id="{32F7251A-AE54-443C-B8FE-5F636E835EBF}" type="datetimeFigureOut">
               <a:rPr lang="en-US" smtClean="0"/>
-              <a:t>12/9/2018</a:t>
+              <a:t>8/9/2020</a:t>
             </a:fld>
             <a:endParaRPr lang="en-US"/>
           </a:p>
@@ -758,7 +758,7 @@
           <a:p>
             <a:fld id="{32F7251A-AE54-443C-B8FE-5F636E835EBF}" type="datetimeFigureOut">
               <a:rPr lang="en-US" smtClean="0"/>
-              <a:t>12/9/2018</a:t>
+              <a:t>8/9/2020</a:t>
             </a:fld>
             <a:endParaRPr lang="en-US"/>
           </a:p>
@@ -1003,7 +1003,7 @@
           <a:p>
             <a:fld id="{32F7251A-AE54-443C-B8FE-5F636E835EBF}" type="datetimeFigureOut">
               <a:rPr lang="en-US" smtClean="0"/>
-              <a:t>12/9/2018</a:t>
+              <a:t>8/9/2020</a:t>
             </a:fld>
             <a:endParaRPr lang="en-US"/>
           </a:p>
@@ -1232,7 +1232,7 @@
           <a:p>
             <a:fld id="{32F7251A-AE54-443C-B8FE-5F636E835EBF}" type="datetimeFigureOut">
               <a:rPr lang="en-US" smtClean="0"/>
-              <a:t>12/9/2018</a:t>
+              <a:t>8/9/2020</a:t>
             </a:fld>
             <a:endParaRPr lang="en-US"/>
           </a:p>
@@ -1596,7 +1596,7 @@
           <a:p>
             <a:fld id="{32F7251A-AE54-443C-B8FE-5F636E835EBF}" type="datetimeFigureOut">
               <a:rPr lang="en-US" smtClean="0"/>
-              <a:t>12/9/2018</a:t>
+              <a:t>8/9/2020</a:t>
             </a:fld>
             <a:endParaRPr lang="en-US"/>
           </a:p>
@@ -1713,7 +1713,7 @@
           <a:p>
             <a:fld id="{32F7251A-AE54-443C-B8FE-5F636E835EBF}" type="datetimeFigureOut">
               <a:rPr lang="en-US" smtClean="0"/>
-              <a:t>12/9/2018</a:t>
+              <a:t>8/9/2020</a:t>
             </a:fld>
             <a:endParaRPr lang="en-US"/>
           </a:p>
@@ -1808,7 +1808,7 @@
           <a:p>
             <a:fld id="{32F7251A-AE54-443C-B8FE-5F636E835EBF}" type="datetimeFigureOut">
               <a:rPr lang="en-US" smtClean="0"/>
-              <a:t>12/9/2018</a:t>
+              <a:t>8/9/2020</a:t>
             </a:fld>
             <a:endParaRPr lang="en-US"/>
           </a:p>
@@ -2083,7 +2083,7 @@
           <a:p>
             <a:fld id="{32F7251A-AE54-443C-B8FE-5F636E835EBF}" type="datetimeFigureOut">
               <a:rPr lang="en-US" smtClean="0"/>
-              <a:t>12/9/2018</a:t>
+              <a:t>8/9/2020</a:t>
             </a:fld>
             <a:endParaRPr lang="en-US"/>
           </a:p>
@@ -2335,7 +2335,7 @@
           <a:p>
             <a:fld id="{32F7251A-AE54-443C-B8FE-5F636E835EBF}" type="datetimeFigureOut">
               <a:rPr lang="en-US" smtClean="0"/>
-              <a:t>12/9/2018</a:t>
+              <a:t>8/9/2020</a:t>
             </a:fld>
             <a:endParaRPr lang="en-US"/>
           </a:p>
@@ -2402,7 +2402,9 @@
     <p:bg>
       <p:bgPr>
         <a:solidFill>
-          <a:srgbClr val="333333"/>
+          <a:schemeClr val="bg1">
+            <a:lumMod val="10000"/>
+          </a:schemeClr>
         </a:solidFill>
         <a:effectLst/>
       </p:bgPr>
@@ -2549,7 +2551,7 @@
           <a:p>
             <a:fld id="{32F7251A-AE54-443C-B8FE-5F636E835EBF}" type="datetimeFigureOut">
               <a:rPr lang="en-US" smtClean="0"/>
-              <a:t>12/9/2018</a:t>
+              <a:t>8/9/2020</a:t>
             </a:fld>
             <a:endParaRPr lang="en-US"/>
           </a:p>
@@ -3019,8 +3021,8 @@
         </p:nvSpPr>
         <p:spPr>
           <a:xfrm>
-            <a:off x="0" y="5804209"/>
-            <a:ext cx="12192000" cy="830997"/>
+            <a:off x="0" y="5927320"/>
+            <a:ext cx="12192000" cy="584775"/>
           </a:xfrm>
           <a:prstGeom prst="rect">
             <a:avLst/>
@@ -3035,10 +3037,12 @@
           <a:p>
             <a:pPr algn="ctr"/>
             <a:r>
-              <a:rPr lang="en-US" sz="4800" dirty="0">
+              <a:rPr lang="en-US" sz="3200" u="sng" dirty="0">
                 <a:solidFill>
                   <a:schemeClr val="bg1"/>
                 </a:solidFill>
+                <a:latin typeface="Assistant SemiBold" panose="00000700000000000000" pitchFamily="2" charset="-79"/>
+                <a:cs typeface="Assistant SemiBold" panose="00000700000000000000" pitchFamily="2" charset="-79"/>
               </a:rPr>
               <a:t>“It Came Upon a Midnight Clear”</a:t>
             </a:r>
@@ -3053,8 +3057,8 @@
         </p:nvSpPr>
         <p:spPr>
           <a:xfrm>
-            <a:off x="0" y="215807"/>
-            <a:ext cx="12192000" cy="5078313"/>
+            <a:off x="0" y="729571"/>
+            <a:ext cx="12192000" cy="3970318"/>
           </a:xfrm>
           <a:prstGeom prst="rect">
             <a:avLst/>
@@ -3069,10 +3073,12 @@
           <a:p>
             <a:pPr algn="ctr"/>
             <a:r>
-              <a:rPr lang="en-US" sz="3600" dirty="0">
+              <a:rPr lang="en-US" sz="2800" spc="50" dirty="0">
                 <a:solidFill>
                   <a:schemeClr val="bg1"/>
                 </a:solidFill>
+                <a:latin typeface="Assistant" panose="00000500000000000000" pitchFamily="2" charset="-79"/>
+                <a:cs typeface="Assistant" panose="00000500000000000000" pitchFamily="2" charset="-79"/>
               </a:rPr>
               <a:t>It came upon a midnight clear,</a:t>
             </a:r>
@@ -3080,10 +3086,12 @@
           <a:p>
             <a:pPr algn="ctr"/>
             <a:r>
-              <a:rPr lang="en-US" sz="3600" dirty="0">
+              <a:rPr lang="en-US" sz="2800" spc="50" dirty="0">
                 <a:solidFill>
                   <a:schemeClr val="bg1"/>
                 </a:solidFill>
+                <a:latin typeface="Assistant" panose="00000500000000000000" pitchFamily="2" charset="-79"/>
+                <a:cs typeface="Assistant" panose="00000500000000000000" pitchFamily="2" charset="-79"/>
               </a:rPr>
               <a:t>That glorious song of old,</a:t>
             </a:r>
@@ -3091,10 +3099,12 @@
           <a:p>
             <a:pPr algn="ctr"/>
             <a:r>
-              <a:rPr lang="en-US" sz="3600" dirty="0">
+              <a:rPr lang="en-US" sz="2800" spc="50" dirty="0">
                 <a:solidFill>
                   <a:schemeClr val="bg1"/>
                 </a:solidFill>
+                <a:latin typeface="Assistant" panose="00000500000000000000" pitchFamily="2" charset="-79"/>
+                <a:cs typeface="Assistant" panose="00000500000000000000" pitchFamily="2" charset="-79"/>
               </a:rPr>
               <a:t>From angels bending near the earth</a:t>
             </a:r>
@@ -3102,29 +3112,35 @@
           <a:p>
             <a:pPr algn="ctr"/>
             <a:r>
-              <a:rPr lang="en-US" sz="3600" dirty="0">
+              <a:rPr lang="en-US" sz="2800" spc="50" dirty="0">
                 <a:solidFill>
                   <a:schemeClr val="bg1"/>
                 </a:solidFill>
+                <a:latin typeface="Assistant" panose="00000500000000000000" pitchFamily="2" charset="-79"/>
+                <a:cs typeface="Assistant" panose="00000500000000000000" pitchFamily="2" charset="-79"/>
               </a:rPr>
               <a:t>To touch their harps of gold:</a:t>
             </a:r>
           </a:p>
           <a:p>
             <a:pPr algn="ctr"/>
-            <a:endParaRPr lang="en-US" sz="3600" dirty="0">
+            <a:endParaRPr lang="en-US" sz="2800" spc="50" dirty="0">
               <a:solidFill>
                 <a:schemeClr val="bg1"/>
               </a:solidFill>
+              <a:latin typeface="Assistant" panose="00000500000000000000" pitchFamily="2" charset="-79"/>
+              <a:cs typeface="Assistant" panose="00000500000000000000" pitchFamily="2" charset="-79"/>
             </a:endParaRPr>
           </a:p>
           <a:p>
             <a:pPr algn="ctr"/>
             <a:r>
-              <a:rPr lang="en-US" sz="3600" dirty="0">
+              <a:rPr lang="en-US" sz="2800" spc="50" dirty="0">
                 <a:solidFill>
                   <a:schemeClr val="bg1"/>
                 </a:solidFill>
+                <a:latin typeface="Assistant" panose="00000500000000000000" pitchFamily="2" charset="-79"/>
+                <a:cs typeface="Assistant" panose="00000500000000000000" pitchFamily="2" charset="-79"/>
               </a:rPr>
               <a:t>“Peace to the earth, goodwill to men,</a:t>
             </a:r>
@@ -3132,10 +3148,12 @@
           <a:p>
             <a:pPr algn="ctr"/>
             <a:r>
-              <a:rPr lang="en-US" sz="3600" dirty="0">
+              <a:rPr lang="en-US" sz="2800" spc="50" dirty="0">
                 <a:solidFill>
                   <a:schemeClr val="bg1"/>
                 </a:solidFill>
+                <a:latin typeface="Assistant" panose="00000500000000000000" pitchFamily="2" charset="-79"/>
+                <a:cs typeface="Assistant" panose="00000500000000000000" pitchFamily="2" charset="-79"/>
               </a:rPr>
               <a:t>From heaven’s all-gracious King!”</a:t>
             </a:r>
@@ -3143,10 +3161,12 @@
           <a:p>
             <a:pPr algn="ctr"/>
             <a:r>
-              <a:rPr lang="en-US" sz="3600" dirty="0">
+              <a:rPr lang="en-US" sz="2800" spc="50" dirty="0">
                 <a:solidFill>
                   <a:schemeClr val="bg1"/>
                 </a:solidFill>
+                <a:latin typeface="Assistant" panose="00000500000000000000" pitchFamily="2" charset="-79"/>
+                <a:cs typeface="Assistant" panose="00000500000000000000" pitchFamily="2" charset="-79"/>
               </a:rPr>
               <a:t>The earth in solemn stillness lay,</a:t>
             </a:r>
@@ -3154,10 +3174,12 @@
           <a:p>
             <a:pPr algn="ctr"/>
             <a:r>
-              <a:rPr lang="en-US" sz="3600" dirty="0">
+              <a:rPr lang="en-US" sz="2800" spc="50" dirty="0">
                 <a:solidFill>
                   <a:schemeClr val="bg1"/>
                 </a:solidFill>
+                <a:latin typeface="Assistant" panose="00000500000000000000" pitchFamily="2" charset="-79"/>
+                <a:cs typeface="Assistant" panose="00000500000000000000" pitchFamily="2" charset="-79"/>
               </a:rPr>
               <a:t>To hear the angels sing.</a:t>
             </a:r>
@@ -3259,8 +3281,8 @@
         </p:nvSpPr>
         <p:spPr>
           <a:xfrm>
-            <a:off x="0" y="5804209"/>
-            <a:ext cx="12192000" cy="830997"/>
+            <a:off x="0" y="5927320"/>
+            <a:ext cx="12192000" cy="584775"/>
           </a:xfrm>
           <a:prstGeom prst="rect">
             <a:avLst/>
@@ -3275,10 +3297,12 @@
           <a:p>
             <a:pPr algn="ctr"/>
             <a:r>
-              <a:rPr lang="en-US" sz="4800" dirty="0">
+              <a:rPr lang="en-US" sz="3200" u="sng" dirty="0">
                 <a:solidFill>
                   <a:schemeClr val="bg1"/>
                 </a:solidFill>
+                <a:latin typeface="Assistant SemiBold" panose="00000700000000000000" pitchFamily="2" charset="-79"/>
+                <a:cs typeface="Assistant SemiBold" panose="00000700000000000000" pitchFamily="2" charset="-79"/>
               </a:rPr>
               <a:t>“It Came Upon a Midnight Clear”</a:t>
             </a:r>
@@ -3293,8 +3317,8 @@
         </p:nvSpPr>
         <p:spPr>
           <a:xfrm>
-            <a:off x="0" y="215807"/>
-            <a:ext cx="12192000" cy="5078313"/>
+            <a:off x="0" y="729571"/>
+            <a:ext cx="12192000" cy="3970318"/>
           </a:xfrm>
           <a:prstGeom prst="rect">
             <a:avLst/>
@@ -3309,10 +3333,12 @@
           <a:p>
             <a:pPr algn="ctr"/>
             <a:r>
-              <a:rPr lang="en-US" sz="3600" dirty="0">
+              <a:rPr lang="en-US" sz="2800" spc="50" dirty="0">
                 <a:solidFill>
                   <a:schemeClr val="bg1"/>
                 </a:solidFill>
+                <a:latin typeface="Assistant" panose="00000500000000000000" pitchFamily="2" charset="-79"/>
+                <a:cs typeface="Assistant" panose="00000500000000000000" pitchFamily="2" charset="-79"/>
               </a:rPr>
               <a:t>Still through the cloven skies they come,</a:t>
             </a:r>
@@ -3320,10 +3346,12 @@
           <a:p>
             <a:pPr algn="ctr"/>
             <a:r>
-              <a:rPr lang="en-US" sz="3600" dirty="0">
+              <a:rPr lang="en-US" sz="2800" spc="50" dirty="0">
                 <a:solidFill>
                   <a:schemeClr val="bg1"/>
                 </a:solidFill>
+                <a:latin typeface="Assistant" panose="00000500000000000000" pitchFamily="2" charset="-79"/>
+                <a:cs typeface="Assistant" panose="00000500000000000000" pitchFamily="2" charset="-79"/>
               </a:rPr>
               <a:t>With peaceful wings unfurled,</a:t>
             </a:r>
@@ -3331,10 +3359,12 @@
           <a:p>
             <a:pPr algn="ctr"/>
             <a:r>
-              <a:rPr lang="en-US" sz="3600" dirty="0">
+              <a:rPr lang="en-US" sz="2800" spc="50" dirty="0">
                 <a:solidFill>
                   <a:schemeClr val="bg1"/>
                 </a:solidFill>
+                <a:latin typeface="Assistant" panose="00000500000000000000" pitchFamily="2" charset="-79"/>
+                <a:cs typeface="Assistant" panose="00000500000000000000" pitchFamily="2" charset="-79"/>
               </a:rPr>
               <a:t>And still celestial music floats</a:t>
             </a:r>
@@ -3342,29 +3372,35 @@
           <a:p>
             <a:pPr algn="ctr"/>
             <a:r>
-              <a:rPr lang="en-US" sz="3600" dirty="0">
+              <a:rPr lang="en-US" sz="2800" spc="50" dirty="0">
                 <a:solidFill>
                   <a:schemeClr val="bg1"/>
                 </a:solidFill>
+                <a:latin typeface="Assistant" panose="00000500000000000000" pitchFamily="2" charset="-79"/>
+                <a:cs typeface="Assistant" panose="00000500000000000000" pitchFamily="2" charset="-79"/>
               </a:rPr>
               <a:t>O’er all the weary world;</a:t>
             </a:r>
           </a:p>
           <a:p>
             <a:pPr algn="ctr"/>
-            <a:endParaRPr lang="en-US" sz="3600" dirty="0">
+            <a:endParaRPr lang="en-US" sz="2800" spc="50" dirty="0">
               <a:solidFill>
                 <a:schemeClr val="bg1"/>
               </a:solidFill>
+              <a:latin typeface="Assistant" panose="00000500000000000000" pitchFamily="2" charset="-79"/>
+              <a:cs typeface="Assistant" panose="00000500000000000000" pitchFamily="2" charset="-79"/>
             </a:endParaRPr>
           </a:p>
           <a:p>
             <a:pPr algn="ctr"/>
             <a:r>
-              <a:rPr lang="en-US" sz="3600" dirty="0">
+              <a:rPr lang="en-US" sz="2800" spc="50" dirty="0">
                 <a:solidFill>
                   <a:schemeClr val="bg1"/>
                 </a:solidFill>
+                <a:latin typeface="Assistant" panose="00000500000000000000" pitchFamily="2" charset="-79"/>
+                <a:cs typeface="Assistant" panose="00000500000000000000" pitchFamily="2" charset="-79"/>
               </a:rPr>
               <a:t>Above its sad and lowly plains</a:t>
             </a:r>
@@ -3372,10 +3408,12 @@
           <a:p>
             <a:pPr algn="ctr"/>
             <a:r>
-              <a:rPr lang="en-US" sz="3600" dirty="0">
+              <a:rPr lang="en-US" sz="2800" spc="50" dirty="0">
                 <a:solidFill>
                   <a:schemeClr val="bg1"/>
                 </a:solidFill>
+                <a:latin typeface="Assistant" panose="00000500000000000000" pitchFamily="2" charset="-79"/>
+                <a:cs typeface="Assistant" panose="00000500000000000000" pitchFamily="2" charset="-79"/>
               </a:rPr>
               <a:t>Thy bend on heavenly wing,</a:t>
             </a:r>
@@ -3383,10 +3421,12 @@
           <a:p>
             <a:pPr algn="ctr"/>
             <a:r>
-              <a:rPr lang="en-US" sz="3600" dirty="0">
+              <a:rPr lang="en-US" sz="2800" spc="50" dirty="0">
                 <a:solidFill>
                   <a:schemeClr val="bg1"/>
                 </a:solidFill>
+                <a:latin typeface="Assistant" panose="00000500000000000000" pitchFamily="2" charset="-79"/>
+                <a:cs typeface="Assistant" panose="00000500000000000000" pitchFamily="2" charset="-79"/>
               </a:rPr>
               <a:t>And ever o’er its babel sounds</a:t>
             </a:r>
@@ -3394,10 +3434,12 @@
           <a:p>
             <a:pPr algn="ctr"/>
             <a:r>
-              <a:rPr lang="en-US" sz="3600" dirty="0">
+              <a:rPr lang="en-US" sz="2800" spc="50" dirty="0">
                 <a:solidFill>
                   <a:schemeClr val="bg1"/>
                 </a:solidFill>
+                <a:latin typeface="Assistant" panose="00000500000000000000" pitchFamily="2" charset="-79"/>
+                <a:cs typeface="Assistant" panose="00000500000000000000" pitchFamily="2" charset="-79"/>
               </a:rPr>
               <a:t>The blessed angels sing.</a:t>
             </a:r>
@@ -3499,8 +3541,8 @@
         </p:nvSpPr>
         <p:spPr>
           <a:xfrm>
-            <a:off x="0" y="5804209"/>
-            <a:ext cx="12192000" cy="830997"/>
+            <a:off x="0" y="5927320"/>
+            <a:ext cx="12192000" cy="584775"/>
           </a:xfrm>
           <a:prstGeom prst="rect">
             <a:avLst/>
@@ -3515,10 +3557,12 @@
           <a:p>
             <a:pPr algn="ctr"/>
             <a:r>
-              <a:rPr lang="en-US" sz="4800" dirty="0">
+              <a:rPr lang="en-US" sz="3200" u="sng" dirty="0">
                 <a:solidFill>
                   <a:schemeClr val="bg1"/>
                 </a:solidFill>
+                <a:latin typeface="Assistant SemiBold" panose="00000700000000000000" pitchFamily="2" charset="-79"/>
+                <a:cs typeface="Assistant SemiBold" panose="00000700000000000000" pitchFamily="2" charset="-79"/>
               </a:rPr>
               <a:t>“It Came Upon a Midnight Clear”</a:t>
             </a:r>
@@ -3533,8 +3577,8 @@
         </p:nvSpPr>
         <p:spPr>
           <a:xfrm>
-            <a:off x="0" y="215807"/>
-            <a:ext cx="12192000" cy="5078313"/>
+            <a:off x="0" y="729571"/>
+            <a:ext cx="12192000" cy="3970318"/>
           </a:xfrm>
           <a:prstGeom prst="rect">
             <a:avLst/>
@@ -3549,10 +3593,12 @@
           <a:p>
             <a:pPr algn="ctr"/>
             <a:r>
-              <a:rPr lang="en-US" sz="3600" dirty="0">
+              <a:rPr lang="en-US" sz="2800" spc="50" dirty="0">
                 <a:solidFill>
                   <a:schemeClr val="bg1"/>
                 </a:solidFill>
+                <a:latin typeface="Assistant" panose="00000500000000000000" pitchFamily="2" charset="-79"/>
+                <a:cs typeface="Assistant" panose="00000500000000000000" pitchFamily="2" charset="-79"/>
               </a:rPr>
               <a:t>O ye, beneath life’s crushing load,</a:t>
             </a:r>
@@ -3560,10 +3606,12 @@
           <a:p>
             <a:pPr algn="ctr"/>
             <a:r>
-              <a:rPr lang="en-US" sz="3600" dirty="0">
+              <a:rPr lang="en-US" sz="2800" spc="50" dirty="0">
                 <a:solidFill>
                   <a:schemeClr val="bg1"/>
                 </a:solidFill>
+                <a:latin typeface="Assistant" panose="00000500000000000000" pitchFamily="2" charset="-79"/>
+                <a:cs typeface="Assistant" panose="00000500000000000000" pitchFamily="2" charset="-79"/>
               </a:rPr>
               <a:t>Whose forms are bending low,</a:t>
             </a:r>
@@ -3571,10 +3619,12 @@
           <a:p>
             <a:pPr algn="ctr"/>
             <a:r>
-              <a:rPr lang="en-US" sz="3600" dirty="0">
+              <a:rPr lang="en-US" sz="2800" spc="50" dirty="0">
                 <a:solidFill>
                   <a:schemeClr val="bg1"/>
                 </a:solidFill>
+                <a:latin typeface="Assistant" panose="00000500000000000000" pitchFamily="2" charset="-79"/>
+                <a:cs typeface="Assistant" panose="00000500000000000000" pitchFamily="2" charset="-79"/>
               </a:rPr>
               <a:t>Who toil along the climbing way</a:t>
             </a:r>
@@ -3582,29 +3632,35 @@
           <a:p>
             <a:pPr algn="ctr"/>
             <a:r>
-              <a:rPr lang="en-US" sz="3600" dirty="0">
+              <a:rPr lang="en-US" sz="2800" spc="50" dirty="0">
                 <a:solidFill>
                   <a:schemeClr val="bg1"/>
                 </a:solidFill>
+                <a:latin typeface="Assistant" panose="00000500000000000000" pitchFamily="2" charset="-79"/>
+                <a:cs typeface="Assistant" panose="00000500000000000000" pitchFamily="2" charset="-79"/>
               </a:rPr>
               <a:t>With painful steps and slow,</a:t>
             </a:r>
           </a:p>
           <a:p>
             <a:pPr algn="ctr"/>
-            <a:endParaRPr lang="en-US" sz="3600" dirty="0">
+            <a:endParaRPr lang="en-US" sz="2800" spc="50" dirty="0">
               <a:solidFill>
                 <a:schemeClr val="bg1"/>
               </a:solidFill>
+              <a:latin typeface="Assistant" panose="00000500000000000000" pitchFamily="2" charset="-79"/>
+              <a:cs typeface="Assistant" panose="00000500000000000000" pitchFamily="2" charset="-79"/>
             </a:endParaRPr>
           </a:p>
           <a:p>
             <a:pPr algn="ctr"/>
             <a:r>
-              <a:rPr lang="en-US" sz="3600" dirty="0">
+              <a:rPr lang="en-US" sz="2800" spc="50" dirty="0">
                 <a:solidFill>
                   <a:schemeClr val="bg1"/>
                 </a:solidFill>
+                <a:latin typeface="Assistant" panose="00000500000000000000" pitchFamily="2" charset="-79"/>
+                <a:cs typeface="Assistant" panose="00000500000000000000" pitchFamily="2" charset="-79"/>
               </a:rPr>
               <a:t>Look up, for glad and golden hours</a:t>
             </a:r>
@@ -3612,10 +3668,12 @@
           <a:p>
             <a:pPr algn="ctr"/>
             <a:r>
-              <a:rPr lang="en-US" sz="3600" dirty="0">
+              <a:rPr lang="en-US" sz="2800" spc="50" dirty="0">
                 <a:solidFill>
                   <a:schemeClr val="bg1"/>
                 </a:solidFill>
+                <a:latin typeface="Assistant" panose="00000500000000000000" pitchFamily="2" charset="-79"/>
+                <a:cs typeface="Assistant" panose="00000500000000000000" pitchFamily="2" charset="-79"/>
               </a:rPr>
               <a:t>Come swiftly on the wing;</a:t>
             </a:r>
@@ -3623,10 +3681,12 @@
           <a:p>
             <a:pPr algn="ctr"/>
             <a:r>
-              <a:rPr lang="en-US" sz="3600" dirty="0">
+              <a:rPr lang="en-US" sz="2800" spc="50" dirty="0">
                 <a:solidFill>
                   <a:schemeClr val="bg1"/>
                 </a:solidFill>
+                <a:latin typeface="Assistant" panose="00000500000000000000" pitchFamily="2" charset="-79"/>
+                <a:cs typeface="Assistant" panose="00000500000000000000" pitchFamily="2" charset="-79"/>
               </a:rPr>
               <a:t>O rest beside the weary road,</a:t>
             </a:r>
@@ -3634,10 +3694,12 @@
           <a:p>
             <a:pPr algn="ctr"/>
             <a:r>
-              <a:rPr lang="en-US" sz="3600" dirty="0">
+              <a:rPr lang="en-US" sz="2800" spc="50" dirty="0">
                 <a:solidFill>
                   <a:schemeClr val="bg1"/>
                 </a:solidFill>
+                <a:latin typeface="Assistant" panose="00000500000000000000" pitchFamily="2" charset="-79"/>
+                <a:cs typeface="Assistant" panose="00000500000000000000" pitchFamily="2" charset="-79"/>
               </a:rPr>
               <a:t>And hear the angels sing!</a:t>
             </a:r>
@@ -3739,8 +3801,8 @@
         </p:nvSpPr>
         <p:spPr>
           <a:xfrm>
-            <a:off x="0" y="5804209"/>
-            <a:ext cx="12192000" cy="830997"/>
+            <a:off x="0" y="5927320"/>
+            <a:ext cx="12192000" cy="584775"/>
           </a:xfrm>
           <a:prstGeom prst="rect">
             <a:avLst/>
@@ -3755,10 +3817,12 @@
           <a:p>
             <a:pPr algn="ctr"/>
             <a:r>
-              <a:rPr lang="en-US" sz="4800" dirty="0">
+              <a:rPr lang="en-US" sz="3200" u="sng" dirty="0">
                 <a:solidFill>
                   <a:schemeClr val="bg1"/>
                 </a:solidFill>
+                <a:latin typeface="Assistant SemiBold" panose="00000700000000000000" pitchFamily="2" charset="-79"/>
+                <a:cs typeface="Assistant SemiBold" panose="00000700000000000000" pitchFamily="2" charset="-79"/>
               </a:rPr>
               <a:t>“It Came Upon a Midnight Clear”</a:t>
             </a:r>
@@ -3773,8 +3837,8 @@
         </p:nvSpPr>
         <p:spPr>
           <a:xfrm>
-            <a:off x="0" y="215807"/>
-            <a:ext cx="12192000" cy="5078313"/>
+            <a:off x="0" y="729571"/>
+            <a:ext cx="12192000" cy="3970318"/>
           </a:xfrm>
           <a:prstGeom prst="rect">
             <a:avLst/>
@@ -3789,10 +3853,12 @@
           <a:p>
             <a:pPr algn="ctr"/>
             <a:r>
-              <a:rPr lang="en-US" sz="3600" dirty="0">
+              <a:rPr lang="en-US" sz="2800" spc="50" dirty="0">
                 <a:solidFill>
                   <a:schemeClr val="bg1"/>
                 </a:solidFill>
+                <a:latin typeface="Assistant" panose="00000500000000000000" pitchFamily="2" charset="-79"/>
+                <a:cs typeface="Assistant" panose="00000500000000000000" pitchFamily="2" charset="-79"/>
               </a:rPr>
               <a:t>For lo, the days are hastening on,</a:t>
             </a:r>
@@ -3800,10 +3866,12 @@
           <a:p>
             <a:pPr algn="ctr"/>
             <a:r>
-              <a:rPr lang="en-US" sz="3600" dirty="0">
+              <a:rPr lang="en-US" sz="2800" spc="50" dirty="0">
                 <a:solidFill>
                   <a:schemeClr val="bg1"/>
                 </a:solidFill>
+                <a:latin typeface="Assistant" panose="00000500000000000000" pitchFamily="2" charset="-79"/>
+                <a:cs typeface="Assistant" panose="00000500000000000000" pitchFamily="2" charset="-79"/>
               </a:rPr>
               <a:t>By prophet bards foretold,</a:t>
             </a:r>
@@ -3811,10 +3879,12 @@
           <a:p>
             <a:pPr algn="ctr"/>
             <a:r>
-              <a:rPr lang="en-US" sz="3600" dirty="0">
+              <a:rPr lang="en-US" sz="2800" spc="50" dirty="0">
                 <a:solidFill>
                   <a:schemeClr val="bg1"/>
                 </a:solidFill>
+                <a:latin typeface="Assistant" panose="00000500000000000000" pitchFamily="2" charset="-79"/>
+                <a:cs typeface="Assistant" panose="00000500000000000000" pitchFamily="2" charset="-79"/>
               </a:rPr>
               <a:t>When with the ever-circling years</a:t>
             </a:r>
@@ -3822,29 +3892,35 @@
           <a:p>
             <a:pPr algn="ctr"/>
             <a:r>
-              <a:rPr lang="en-US" sz="3600" dirty="0">
+              <a:rPr lang="en-US" sz="2800" spc="50" dirty="0">
                 <a:solidFill>
                   <a:schemeClr val="bg1"/>
                 </a:solidFill>
+                <a:latin typeface="Assistant" panose="00000500000000000000" pitchFamily="2" charset="-79"/>
+                <a:cs typeface="Assistant" panose="00000500000000000000" pitchFamily="2" charset="-79"/>
               </a:rPr>
               <a:t>Comes round the age of gold;</a:t>
             </a:r>
           </a:p>
           <a:p>
             <a:pPr algn="ctr"/>
-            <a:endParaRPr lang="en-US" sz="3600" dirty="0">
+            <a:endParaRPr lang="en-US" sz="2800" spc="50" dirty="0">
               <a:solidFill>
                 <a:schemeClr val="bg1"/>
               </a:solidFill>
+              <a:latin typeface="Assistant" panose="00000500000000000000" pitchFamily="2" charset="-79"/>
+              <a:cs typeface="Assistant" panose="00000500000000000000" pitchFamily="2" charset="-79"/>
             </a:endParaRPr>
           </a:p>
           <a:p>
             <a:pPr algn="ctr"/>
             <a:r>
-              <a:rPr lang="en-US" sz="3600" dirty="0">
+              <a:rPr lang="en-US" sz="2800" spc="50" dirty="0">
                 <a:solidFill>
                   <a:schemeClr val="bg1"/>
                 </a:solidFill>
+                <a:latin typeface="Assistant" panose="00000500000000000000" pitchFamily="2" charset="-79"/>
+                <a:cs typeface="Assistant" panose="00000500000000000000" pitchFamily="2" charset="-79"/>
               </a:rPr>
               <a:t>When peace shall over all the earth</a:t>
             </a:r>
@@ -3852,10 +3928,12 @@
           <a:p>
             <a:pPr algn="ctr"/>
             <a:r>
-              <a:rPr lang="en-US" sz="3600" dirty="0">
+              <a:rPr lang="en-US" sz="2800" spc="50" dirty="0">
                 <a:solidFill>
                   <a:schemeClr val="bg1"/>
                 </a:solidFill>
+                <a:latin typeface="Assistant" panose="00000500000000000000" pitchFamily="2" charset="-79"/>
+                <a:cs typeface="Assistant" panose="00000500000000000000" pitchFamily="2" charset="-79"/>
               </a:rPr>
               <a:t>Its final splendors fling,</a:t>
             </a:r>
@@ -3863,10 +3941,12 @@
           <a:p>
             <a:pPr algn="ctr"/>
             <a:r>
-              <a:rPr lang="en-US" sz="3600" dirty="0">
+              <a:rPr lang="en-US" sz="2800" spc="50" dirty="0">
                 <a:solidFill>
                   <a:schemeClr val="bg1"/>
                 </a:solidFill>
+                <a:latin typeface="Assistant" panose="00000500000000000000" pitchFamily="2" charset="-79"/>
+                <a:cs typeface="Assistant" panose="00000500000000000000" pitchFamily="2" charset="-79"/>
               </a:rPr>
               <a:t>And the whole world send back the song</a:t>
             </a:r>
@@ -3874,10 +3954,12 @@
           <a:p>
             <a:pPr algn="ctr"/>
             <a:r>
-              <a:rPr lang="en-US" sz="3600" dirty="0">
+              <a:rPr lang="en-US" sz="2800" spc="50" dirty="0">
                 <a:solidFill>
                   <a:schemeClr val="bg1"/>
                 </a:solidFill>
+                <a:latin typeface="Assistant" panose="00000500000000000000" pitchFamily="2" charset="-79"/>
+                <a:cs typeface="Assistant" panose="00000500000000000000" pitchFamily="2" charset="-79"/>
               </a:rPr>
               <a:t>Which now the angels sing!</a:t>
             </a:r>
